--- a/HTML_CSS/Curso_Html/Intermediário/Material_Intermediário/10 - CSS  Flex Box e Grid.pptx
+++ b/HTML_CSS/Curso_Html/Intermediário/Material_Intermediário/10 - CSS  Flex Box e Grid.pptx
@@ -13,14 +13,14 @@
     <p:sldId id="285" r:id="rId4"/>
     <p:sldId id="289" r:id="rId5"/>
     <p:sldId id="290" r:id="rId6"/>
-    <p:sldId id="293" r:id="rId7"/>
-    <p:sldId id="292" r:id="rId8"/>
-    <p:sldId id="294" r:id="rId9"/>
-    <p:sldId id="295" r:id="rId10"/>
-    <p:sldId id="296" r:id="rId11"/>
-    <p:sldId id="297" r:id="rId12"/>
-    <p:sldId id="298" r:id="rId13"/>
-    <p:sldId id="299" r:id="rId14"/>
+    <p:sldId id="301" r:id="rId7"/>
+    <p:sldId id="300" r:id="rId8"/>
+    <p:sldId id="302" r:id="rId9"/>
+    <p:sldId id="303" r:id="rId10"/>
+    <p:sldId id="304" r:id="rId11"/>
+    <p:sldId id="305" r:id="rId12"/>
+    <p:sldId id="306" r:id="rId13"/>
+    <p:sldId id="307" r:id="rId14"/>
   </p:sldIdLst>
   <p:sldSz cx="12192000" cy="6858000"/>
   <p:notesSz cx="6858000" cy="9144000"/>
@@ -209,7 +209,7 @@
           <a:p>
             <a:fld id="{B930DA66-80EF-428A-8012-5FFD0E1E8A40}" type="datetimeFigureOut">
               <a:rPr lang="pt-BR" smtClean="0"/>
-              <a:t>04/06/2024</a:t>
+              <a:t>06/06/2024</a:t>
             </a:fld>
             <a:endParaRPr lang="pt-BR"/>
           </a:p>
@@ -571,7 +571,7 @@
           <a:effectLst/>
           <a:extLst>
             <a:ext uri="{91240B29-F687-4f45-9708-019B960494DF}">
-              <a14:hiddenLine xmlns:a14="http://schemas.microsoft.com/office/drawing/2010/main" xmlns="" w="9525">
+              <a14:hiddenLine xmlns="" xmlns:a14="http://schemas.microsoft.com/office/drawing/2010/main" w="9525">
                 <a:solidFill>
                   <a:srgbClr val="000000"/>
                 </a:solidFill>
@@ -764,7 +764,7 @@
             <a:fld id="{9334D819-9F07-4261-B09B-9E467E5D9002}" type="datetimeFigureOut">
               <a:rPr lang="en-US" smtClean="0"/>
               <a:pPr/>
-              <a:t>6/4/2024</a:t>
+              <a:t>6/6/2024</a:t>
             </a:fld>
             <a:endParaRPr lang="en-US" dirty="0"/>
           </a:p>
@@ -1084,7 +1084,7 @@
             <a:fld id="{9334D819-9F07-4261-B09B-9E467E5D9002}" type="datetimeFigureOut">
               <a:rPr lang="en-US" smtClean="0"/>
               <a:pPr/>
-              <a:t>6/4/2024</a:t>
+              <a:t>6/6/2024</a:t>
             </a:fld>
             <a:endParaRPr lang="en-US" dirty="0"/>
           </a:p>
@@ -1574,7 +1574,7 @@
             <a:fld id="{9334D819-9F07-4261-B09B-9E467E5D9002}" type="datetimeFigureOut">
               <a:rPr lang="en-US" smtClean="0"/>
               <a:pPr/>
-              <a:t>6/4/2024</a:t>
+              <a:t>6/6/2024</a:t>
             </a:fld>
             <a:endParaRPr lang="en-US" dirty="0"/>
           </a:p>
@@ -1945,7 +1945,7 @@
             <a:fld id="{9334D819-9F07-4261-B09B-9E467E5D9002}" type="datetimeFigureOut">
               <a:rPr lang="en-US" smtClean="0"/>
               <a:pPr/>
-              <a:t>6/4/2024</a:t>
+              <a:t>6/6/2024</a:t>
             </a:fld>
             <a:endParaRPr lang="en-US" dirty="0"/>
           </a:p>
@@ -2101,7 +2101,7 @@
           <a:ln/>
           <a:extLst>
             <a:ext uri="{91240B29-F687-4f45-9708-019B960494DF}">
-              <a14:hiddenLine xmlns:a14="http://schemas.microsoft.com/office/drawing/2010/main" xmlns="" w="9525">
+              <a14:hiddenLine xmlns="" xmlns:a14="http://schemas.microsoft.com/office/drawing/2010/main" w="9525">
                 <a:solidFill>
                   <a:srgbClr val="000000"/>
                 </a:solidFill>
@@ -2219,7 +2219,7 @@
           <a:p>
             <a:fld id="{9334D819-9F07-4261-B09B-9E467E5D9002}" type="datetimeFigureOut">
               <a:rPr lang="en-US" smtClean="0"/>
-              <a:t>6/4/2024</a:t>
+              <a:t>6/6/2024</a:t>
             </a:fld>
             <a:endParaRPr lang="en-US" dirty="0"/>
           </a:p>
@@ -2376,7 +2376,7 @@
           <a:ln/>
           <a:extLst>
             <a:ext uri="{91240B29-F687-4f45-9708-019B960494DF}">
-              <a14:hiddenLine xmlns:a14="http://schemas.microsoft.com/office/drawing/2010/main" xmlns="" w="9525">
+              <a14:hiddenLine xmlns="" xmlns:a14="http://schemas.microsoft.com/office/drawing/2010/main" w="9525">
                 <a:solidFill>
                   <a:srgbClr val="000000"/>
                 </a:solidFill>
@@ -2504,7 +2504,7 @@
           <a:p>
             <a:fld id="{9334D819-9F07-4261-B09B-9E467E5D9002}" type="datetimeFigureOut">
               <a:rPr lang="en-US" smtClean="0"/>
-              <a:t>6/4/2024</a:t>
+              <a:t>6/6/2024</a:t>
             </a:fld>
             <a:endParaRPr lang="en-US" dirty="0"/>
           </a:p>
@@ -2659,7 +2659,7 @@
           <a:ln/>
           <a:extLst>
             <a:ext uri="{91240B29-F687-4f45-9708-019B960494DF}">
-              <a14:hiddenLine xmlns:a14="http://schemas.microsoft.com/office/drawing/2010/main" xmlns="" w="9525">
+              <a14:hiddenLine xmlns="" xmlns:a14="http://schemas.microsoft.com/office/drawing/2010/main" w="9525">
                 <a:solidFill>
                   <a:srgbClr val="000000"/>
                 </a:solidFill>
@@ -2787,7 +2787,7 @@
           <a:p>
             <a:fld id="{9334D819-9F07-4261-B09B-9E467E5D9002}" type="datetimeFigureOut">
               <a:rPr lang="en-US" smtClean="0"/>
-              <a:t>6/4/2024</a:t>
+              <a:t>6/6/2024</a:t>
             </a:fld>
             <a:endParaRPr lang="en-US" dirty="0"/>
           </a:p>
@@ -3131,7 +3131,7 @@
             <a:fld id="{9334D819-9F07-4261-B09B-9E467E5D9002}" type="datetimeFigureOut">
               <a:rPr lang="en-US" smtClean="0"/>
               <a:pPr/>
-              <a:t>6/4/2024</a:t>
+              <a:t>6/6/2024</a:t>
             </a:fld>
             <a:endParaRPr lang="en-US" dirty="0"/>
           </a:p>
@@ -3287,7 +3287,7 @@
           <a:ln/>
           <a:extLst>
             <a:ext uri="{91240B29-F687-4f45-9708-019B960494DF}">
-              <a14:hiddenLine xmlns:a14="http://schemas.microsoft.com/office/drawing/2010/main" xmlns="" w="9525">
+              <a14:hiddenLine xmlns="" xmlns:a14="http://schemas.microsoft.com/office/drawing/2010/main" w="9525">
                 <a:solidFill>
                   <a:srgbClr val="000000"/>
                 </a:solidFill>
@@ -3471,7 +3471,7 @@
           <a:p>
             <a:fld id="{9334D819-9F07-4261-B09B-9E467E5D9002}" type="datetimeFigureOut">
               <a:rPr lang="en-US" smtClean="0"/>
-              <a:t>6/4/2024</a:t>
+              <a:t>6/6/2024</a:t>
             </a:fld>
             <a:endParaRPr lang="en-US" dirty="0"/>
           </a:p>
@@ -3631,7 +3631,7 @@
           <a:ln/>
           <a:extLst>
             <a:ext uri="{91240B29-F687-4f45-9708-019B960494DF}">
-              <a14:hiddenLine xmlns:a14="http://schemas.microsoft.com/office/drawing/2010/main" xmlns="" w="9525">
+              <a14:hiddenLine xmlns="" xmlns:a14="http://schemas.microsoft.com/office/drawing/2010/main" w="9525">
                 <a:solidFill>
                   <a:srgbClr val="000000"/>
                 </a:solidFill>
@@ -3953,7 +3953,7 @@
           <a:p>
             <a:fld id="{9334D819-9F07-4261-B09B-9E467E5D9002}" type="datetimeFigureOut">
               <a:rPr lang="en-US" smtClean="0"/>
-              <a:t>6/4/2024</a:t>
+              <a:t>6/6/2024</a:t>
             </a:fld>
             <a:endParaRPr lang="en-US" dirty="0"/>
           </a:p>
@@ -4113,7 +4113,7 @@
           <a:ln/>
           <a:extLst>
             <a:ext uri="{91240B29-F687-4f45-9708-019B960494DF}">
-              <a14:hiddenLine xmlns:a14="http://schemas.microsoft.com/office/drawing/2010/main" xmlns="" w="9525">
+              <a14:hiddenLine xmlns="" xmlns:a14="http://schemas.microsoft.com/office/drawing/2010/main" w="9525">
                 <a:solidFill>
                   <a:srgbClr val="000000"/>
                 </a:solidFill>
@@ -4179,7 +4179,7 @@
           <a:p>
             <a:fld id="{9334D819-9F07-4261-B09B-9E467E5D9002}" type="datetimeFigureOut">
               <a:rPr lang="en-US" smtClean="0"/>
-              <a:t>6/4/2024</a:t>
+              <a:t>6/6/2024</a:t>
             </a:fld>
             <a:endParaRPr lang="en-US" dirty="0"/>
           </a:p>
@@ -4274,7 +4274,7 @@
           <a:p>
             <a:fld id="{9334D819-9F07-4261-B09B-9E467E5D9002}" type="datetimeFigureOut">
               <a:rPr lang="en-US" smtClean="0"/>
-              <a:t>6/4/2024</a:t>
+              <a:t>6/6/2024</a:t>
             </a:fld>
             <a:endParaRPr lang="en-US" dirty="0"/>
           </a:p>
@@ -4542,7 +4542,7 @@
           <a:ln/>
           <a:extLst>
             <a:ext uri="{91240B29-F687-4f45-9708-019B960494DF}">
-              <a14:hiddenLine xmlns:a14="http://schemas.microsoft.com/office/drawing/2010/main" xmlns="" w="9525">
+              <a14:hiddenLine xmlns="" xmlns:a14="http://schemas.microsoft.com/office/drawing/2010/main" w="9525">
                 <a:solidFill>
                   <a:srgbClr val="000000"/>
                 </a:solidFill>
@@ -4741,7 +4741,7 @@
           <a:p>
             <a:fld id="{9334D819-9F07-4261-B09B-9E467E5D9002}" type="datetimeFigureOut">
               <a:rPr lang="en-US" smtClean="0"/>
-              <a:t>6/4/2024</a:t>
+              <a:t>6/6/2024</a:t>
             </a:fld>
             <a:endParaRPr lang="en-US" dirty="0"/>
           </a:p>
@@ -5060,7 +5060,7 @@
             <a:fld id="{9334D819-9F07-4261-B09B-9E467E5D9002}" type="datetimeFigureOut">
               <a:rPr lang="en-US" smtClean="0"/>
               <a:pPr/>
-              <a:t>6/4/2024</a:t>
+              <a:t>6/6/2024</a:t>
             </a:fld>
             <a:endParaRPr lang="en-US" dirty="0"/>
           </a:p>
@@ -5332,7 +5332,7 @@
             <a:fld id="{9334D819-9F07-4261-B09B-9E467E5D9002}" type="datetimeFigureOut">
               <a:rPr lang="en-US" smtClean="0"/>
               <a:pPr/>
-              <a:t>6/4/2024</a:t>
+              <a:t>6/6/2024</a:t>
             </a:fld>
             <a:endParaRPr lang="en-US" dirty="0"/>
           </a:p>
@@ -6089,40 +6089,63 @@
           <a:chExt cx="0" cy="0"/>
         </a:xfrm>
       </p:grpSpPr>
-      <p:pic>
-        <p:nvPicPr>
-          <p:cNvPr id="3" name="Imagem 2">
+      <p:sp>
+        <p:nvSpPr>
+          <p:cNvPr id="2" name="Título 1">
             <a:extLst>
               <a:ext uri="{FF2B5EF4-FFF2-40B4-BE49-F238E27FC236}">
-                <a16:creationId xmlns:a16="http://schemas.microsoft.com/office/drawing/2014/main" id="{07844C9C-C476-B45B-F1E9-F7D7F7CA3601}"/>
+                <a16:creationId xmlns:a16="http://schemas.microsoft.com/office/drawing/2014/main" id="{11CC2678-2AAE-49AB-896E-0692E54051BA}"/>
               </a:ext>
             </a:extLst>
           </p:cNvPr>
-          <p:cNvPicPr>
-            <a:picLocks noChangeAspect="1"/>
-          </p:cNvPicPr>
-          <p:nvPr/>
-        </p:nvPicPr>
-        <p:blipFill>
-          <a:blip r:embed="rId2"/>
-          <a:stretch>
-            <a:fillRect/>
-          </a:stretch>
-        </p:blipFill>
-        <p:spPr>
-          <a:xfrm>
-            <a:off x="0" y="0"/>
-            <a:ext cx="12192000" cy="6858000"/>
-          </a:xfrm>
-          <a:prstGeom prst="rect">
-            <a:avLst/>
-          </a:prstGeom>
-        </p:spPr>
-      </p:pic>
+          <p:cNvSpPr>
+            <a:spLocks noGrp="1"/>
+          </p:cNvSpPr>
+          <p:nvPr>
+            <p:ph type="title"/>
+          </p:nvPr>
+        </p:nvSpPr>
+        <p:spPr/>
+        <p:txBody>
+          <a:bodyPr/>
+          <a:lstStyle/>
+          <a:p>
+            <a:r>
+              <a:rPr lang="pt-BR" dirty="0"/>
+              <a:t>GRID</a:t>
+            </a:r>
+          </a:p>
+        </p:txBody>
+      </p:sp>
+      <p:sp>
+        <p:nvSpPr>
+          <p:cNvPr id="3" name="Espaço Reservado para Texto 2">
+            <a:extLst>
+              <a:ext uri="{FF2B5EF4-FFF2-40B4-BE49-F238E27FC236}">
+                <a16:creationId xmlns:a16="http://schemas.microsoft.com/office/drawing/2014/main" id="{423F1C78-B588-698D-21DB-3C4688DE7FAA}"/>
+              </a:ext>
+            </a:extLst>
+          </p:cNvPr>
+          <p:cNvSpPr>
+            <a:spLocks noGrp="1"/>
+          </p:cNvSpPr>
+          <p:nvPr>
+            <p:ph type="body" idx="1"/>
+          </p:nvPr>
+        </p:nvSpPr>
+        <p:spPr/>
+        <p:txBody>
+          <a:bodyPr/>
+          <a:lstStyle/>
+          <a:p>
+            <a:endParaRPr lang="pt-BR"/>
+          </a:p>
+        </p:txBody>
+      </p:sp>
     </p:spTree>
     <p:extLst>
       <p:ext uri="{BB962C8B-B14F-4D97-AF65-F5344CB8AC3E}">
-        <p14:creationId xmlns:p14="http://schemas.microsoft.com/office/powerpoint/2010/main" val="1091250058"/>
+        <p14:creationId xmlns:p14="http://schemas.microsoft.com/office/powerpoint/2010/main" val="2376953673"/>
       </p:ext>
     </p:extLst>
   </p:cSld>
@@ -6154,7 +6177,7 @@
           <p:cNvPr id="2" name="Título 1">
             <a:extLst>
               <a:ext uri="{FF2B5EF4-FFF2-40B4-BE49-F238E27FC236}">
-                <a16:creationId xmlns:a16="http://schemas.microsoft.com/office/drawing/2014/main" id="{2282E02D-44A4-88BF-A0AE-CB3874EF9003}"/>
+                <a16:creationId xmlns:a16="http://schemas.microsoft.com/office/drawing/2014/main" id="{0EF6CAF8-9BB3-F8E1-C227-864215EDC8B9}"/>
               </a:ext>
             </a:extLst>
           </p:cNvPr>
@@ -6172,17 +6195,17 @@
           <a:p>
             <a:r>
               <a:rPr lang="pt-BR" dirty="0"/>
-              <a:t>Criando Estrutura Página</a:t>
-            </a:r>
-          </a:p>
-        </p:txBody>
-      </p:sp>
-      <p:sp>
-        <p:nvSpPr>
-          <p:cNvPr id="3" name="Espaço Reservado para Texto 2">
+              <a:t>GRID</a:t>
+            </a:r>
+          </a:p>
+        </p:txBody>
+      </p:sp>
+      <p:sp>
+        <p:nvSpPr>
+          <p:cNvPr id="3" name="Espaço Reservado para Conteúdo 2">
             <a:extLst>
               <a:ext uri="{FF2B5EF4-FFF2-40B4-BE49-F238E27FC236}">
-                <a16:creationId xmlns:a16="http://schemas.microsoft.com/office/drawing/2014/main" id="{7AD631EF-2A20-F04A-9D3F-1ED65AE5E7E0}"/>
+                <a16:creationId xmlns:a16="http://schemas.microsoft.com/office/drawing/2014/main" id="{9FF0D92A-AB94-BD59-B58B-374877339DB9}"/>
               </a:ext>
             </a:extLst>
           </p:cNvPr>
@@ -6190,22 +6213,40 @@
             <a:spLocks noGrp="1"/>
           </p:cNvSpPr>
           <p:nvPr>
-            <p:ph type="body" idx="1"/>
-          </p:nvPr>
-        </p:nvSpPr>
-        <p:spPr/>
-        <p:txBody>
-          <a:bodyPr/>
+            <p:ph idx="1"/>
+          </p:nvPr>
+        </p:nvSpPr>
+        <p:spPr>
+          <a:xfrm>
+            <a:off x="818712" y="2222287"/>
+            <a:ext cx="10554574" cy="2406863"/>
+          </a:xfrm>
+        </p:spPr>
+        <p:txBody>
+          <a:bodyPr>
+            <a:normAutofit/>
+          </a:bodyPr>
           <a:lstStyle/>
           <a:p>
-            <a:endParaRPr lang="pt-BR"/>
+            <a:r>
+              <a:rPr lang="pt-BR" sz="2000" dirty="0"/>
+              <a:t>Grid em CSS e HTML é uma técnica de layout que permite criar layouts complexos e responsivos de forma simples e eficiente. A propriedade display: grid transforma um container em um grid container e seus elementos filhos em grid </a:t>
+            </a:r>
+            <a:r>
+              <a:rPr lang="pt-BR" sz="2000" dirty="0" err="1"/>
+              <a:t>items</a:t>
+            </a:r>
+            <a:r>
+              <a:rPr lang="pt-BR" sz="2000" dirty="0"/>
+              <a:t>. Com o CSS Grid Layout, você pode definir linhas e colunas, e posicionar elementos de forma precisa dentro dessas áreas.</a:t>
+            </a:r>
           </a:p>
         </p:txBody>
       </p:sp>
     </p:spTree>
     <p:extLst>
       <p:ext uri="{BB962C8B-B14F-4D97-AF65-F5344CB8AC3E}">
-        <p14:creationId xmlns:p14="http://schemas.microsoft.com/office/powerpoint/2010/main" val="1375396077"/>
+        <p14:creationId xmlns:p14="http://schemas.microsoft.com/office/powerpoint/2010/main" val="2364130083"/>
       </p:ext>
     </p:extLst>
   </p:cSld>
@@ -6234,10 +6275,10 @@
       </p:grpSpPr>
       <p:pic>
         <p:nvPicPr>
-          <p:cNvPr id="9" name="Imagem 8">
+          <p:cNvPr id="3" name="Imagem 2">
             <a:extLst>
               <a:ext uri="{FF2B5EF4-FFF2-40B4-BE49-F238E27FC236}">
-                <a16:creationId xmlns:a16="http://schemas.microsoft.com/office/drawing/2014/main" id="{4934526D-EBBA-2C3E-69E9-1EE583C290A9}"/>
+                <a16:creationId xmlns:a16="http://schemas.microsoft.com/office/drawing/2014/main" id="{D821AA1E-DEB1-EDD3-96D3-61EE9AC6593A}"/>
               </a:ext>
             </a:extLst>
           </p:cNvPr>
@@ -6262,10 +6303,56 @@
           </a:prstGeom>
         </p:spPr>
       </p:pic>
+      <p:sp>
+        <p:nvSpPr>
+          <p:cNvPr id="4" name="Seta: para Baixo 3">
+            <a:extLst>
+              <a:ext uri="{FF2B5EF4-FFF2-40B4-BE49-F238E27FC236}">
+                <a16:creationId xmlns:a16="http://schemas.microsoft.com/office/drawing/2014/main" id="{F184BE0F-8916-00E0-EDC2-051FDE134CCE}"/>
+              </a:ext>
+            </a:extLst>
+          </p:cNvPr>
+          <p:cNvSpPr/>
+          <p:nvPr/>
+        </p:nvSpPr>
+        <p:spPr>
+          <a:xfrm rot="3457518">
+            <a:off x="10092691" y="45720"/>
+            <a:ext cx="731520" cy="594360"/>
+          </a:xfrm>
+          <a:prstGeom prst="downArrow">
+            <a:avLst/>
+          </a:prstGeom>
+        </p:spPr>
+        <p:style>
+          <a:lnRef idx="2">
+            <a:schemeClr val="accent1">
+              <a:shade val="50000"/>
+            </a:schemeClr>
+          </a:lnRef>
+          <a:fillRef idx="1">
+            <a:schemeClr val="accent1"/>
+          </a:fillRef>
+          <a:effectRef idx="0">
+            <a:schemeClr val="accent1"/>
+          </a:effectRef>
+          <a:fontRef idx="minor">
+            <a:schemeClr val="lt1"/>
+          </a:fontRef>
+        </p:style>
+        <p:txBody>
+          <a:bodyPr rtlCol="0" anchor="ctr"/>
+          <a:lstStyle/>
+          <a:p>
+            <a:pPr algn="ctr"/>
+            <a:endParaRPr lang="pt-BR"/>
+          </a:p>
+        </p:txBody>
+      </p:sp>
     </p:spTree>
     <p:extLst>
       <p:ext uri="{BB962C8B-B14F-4D97-AF65-F5344CB8AC3E}">
-        <p14:creationId xmlns:p14="http://schemas.microsoft.com/office/powerpoint/2010/main" val="2339184151"/>
+        <p14:creationId xmlns:p14="http://schemas.microsoft.com/office/powerpoint/2010/main" val="1527641552"/>
       </p:ext>
     </p:extLst>
   </p:cSld>
@@ -6292,12 +6379,45 @@
           <a:chExt cx="0" cy="0"/>
         </a:xfrm>
       </p:grpSpPr>
+      <p:sp>
+        <p:nvSpPr>
+          <p:cNvPr id="2" name="Título 1">
+            <a:extLst>
+              <a:ext uri="{FF2B5EF4-FFF2-40B4-BE49-F238E27FC236}">
+                <a16:creationId xmlns:a16="http://schemas.microsoft.com/office/drawing/2014/main" id="{22F1C2BE-6678-B3B4-D778-231E7099AD14}"/>
+              </a:ext>
+            </a:extLst>
+          </p:cNvPr>
+          <p:cNvSpPr>
+            <a:spLocks noGrp="1"/>
+          </p:cNvSpPr>
+          <p:nvPr>
+            <p:ph type="title"/>
+          </p:nvPr>
+        </p:nvSpPr>
+        <p:spPr/>
+        <p:txBody>
+          <a:bodyPr/>
+          <a:lstStyle/>
+          <a:p>
+            <a:r>
+              <a:rPr lang="pt-BR" dirty="0"/>
+              <a:t>Grid Layout </a:t>
+            </a:r>
+            <a:r>
+              <a:rPr lang="pt-BR" dirty="0" err="1"/>
+              <a:t>Template</a:t>
+            </a:r>
+            <a:endParaRPr lang="pt-BR" dirty="0"/>
+          </a:p>
+        </p:txBody>
+      </p:sp>
       <p:pic>
         <p:nvPicPr>
-          <p:cNvPr id="7" name="Imagem 6">
+          <p:cNvPr id="4" name="Imagem 3">
             <a:extLst>
               <a:ext uri="{FF2B5EF4-FFF2-40B4-BE49-F238E27FC236}">
-                <a16:creationId xmlns:a16="http://schemas.microsoft.com/office/drawing/2014/main" id="{0E8AAD60-EE0D-182D-35A6-D52BBFC21622}"/>
+                <a16:creationId xmlns:a16="http://schemas.microsoft.com/office/drawing/2014/main" id="{5175D363-DFD1-6BCD-B74E-C730DC221348}"/>
               </a:ext>
             </a:extLst>
           </p:cNvPr>
@@ -6314,8 +6434,8 @@
         </p:blipFill>
         <p:spPr>
           <a:xfrm>
-            <a:off x="0" y="0"/>
-            <a:ext cx="12192000" cy="6858000"/>
+            <a:off x="870808" y="2290603"/>
+            <a:ext cx="10450383" cy="3893027"/>
           </a:xfrm>
           <a:prstGeom prst="rect">
             <a:avLst/>
@@ -6325,7 +6445,7 @@
     </p:spTree>
     <p:extLst>
       <p:ext uri="{BB962C8B-B14F-4D97-AF65-F5344CB8AC3E}">
-        <p14:creationId xmlns:p14="http://schemas.microsoft.com/office/powerpoint/2010/main" val="1900067634"/>
+        <p14:creationId xmlns:p14="http://schemas.microsoft.com/office/powerpoint/2010/main" val="35670313"/>
       </p:ext>
     </p:extLst>
   </p:cSld>
@@ -6812,7 +6932,7 @@
           <a:p>
             <a:r>
               <a:rPr lang="pt-BR" dirty="0"/>
-              <a:t>Posição</a:t>
+              <a:t>FLEX BOX</a:t>
             </a:r>
           </a:p>
         </p:txBody>
@@ -6905,7 +7025,7 @@
           <a:p>
             <a:r>
               <a:rPr lang="pt-BR" dirty="0"/>
-              <a:t>Posicionamento</a:t>
+              <a:t>FLEX BOX</a:t>
             </a:r>
           </a:p>
         </p:txBody>
@@ -6934,7 +7054,7 @@
         </p:spPr>
         <p:txBody>
           <a:bodyPr>
-            <a:normAutofit/>
+            <a:normAutofit lnSpcReduction="10000"/>
           </a:bodyPr>
           <a:lstStyle/>
           <a:p>
@@ -6943,11 +7063,57 @@
           <a:p>
             <a:r>
               <a:rPr lang="pt-BR" sz="2000" dirty="0"/>
-              <a:t>Em CSS, "posicionamento" refere-se à maneira como os elementos HTML são colocados e organizados em uma página web. O posicionamento no CSS permite que você controle a localização e o fluxo dos elementos na página, seja de forma absoluta, relativa, fixa ou flutuante.</a:t>
-            </a:r>
-          </a:p>
-        </p:txBody>
-      </p:sp>
+              <a:t>O </a:t>
+            </a:r>
+            <a:r>
+              <a:rPr lang="pt-BR" sz="2000" dirty="0" err="1"/>
+              <a:t>Flexbox</a:t>
+            </a:r>
+            <a:r>
+              <a:rPr lang="pt-BR" sz="2000" dirty="0"/>
+              <a:t> (ou "</a:t>
+            </a:r>
+            <a:r>
+              <a:rPr lang="pt-BR" sz="2000" dirty="0" err="1"/>
+              <a:t>Flexible</a:t>
+            </a:r>
+            <a:r>
+              <a:rPr lang="pt-BR" sz="2000" dirty="0"/>
+              <a:t> Box Layout Module") é um modelo de layout no CSS projetado para criar layouts flexíveis e eficientes. Ele oferece uma maneira de distribuir espaço entre os itens em um contêiner e alinhar os itens de uma maneira previsível, mesmo quando o tamanho dos itens é desconhecido ou dinâmico.</a:t>
+            </a:r>
+          </a:p>
+        </p:txBody>
+      </p:sp>
+      <p:pic>
+        <p:nvPicPr>
+          <p:cNvPr id="4" name="Imagem 3">
+            <a:extLst>
+              <a:ext uri="{FF2B5EF4-FFF2-40B4-BE49-F238E27FC236}">
+                <a16:creationId xmlns:a16="http://schemas.microsoft.com/office/drawing/2014/main" id="{4E9A186F-FF10-DE59-730D-FD026B6DD5DB}"/>
+              </a:ext>
+            </a:extLst>
+          </p:cNvPr>
+          <p:cNvPicPr>
+            <a:picLocks noChangeAspect="1"/>
+          </p:cNvPicPr>
+          <p:nvPr/>
+        </p:nvPicPr>
+        <p:blipFill>
+          <a:blip r:embed="rId2"/>
+          <a:stretch>
+            <a:fillRect/>
+          </a:stretch>
+        </p:blipFill>
+        <p:spPr>
+          <a:xfrm>
+            <a:off x="4004644" y="4116063"/>
+            <a:ext cx="4182711" cy="2473966"/>
+          </a:xfrm>
+          <a:prstGeom prst="rect">
+            <a:avLst/>
+          </a:prstGeom>
+        </p:spPr>
+      </p:pic>
     </p:spTree>
     <p:extLst>
       <p:ext uri="{BB962C8B-B14F-4D97-AF65-F5344CB8AC3E}">
@@ -6964,16 +7130,6 @@
 <file path=ppt/slides/slide6.xml><?xml version="1.0" encoding="utf-8"?>
 <p:sld xmlns:a="http://schemas.openxmlformats.org/drawingml/2006/main" xmlns:r="http://schemas.openxmlformats.org/officeDocument/2006/relationships" xmlns:p="http://schemas.openxmlformats.org/presentationml/2006/main">
   <p:cSld>
-    <p:bg>
-      <p:bgPr>
-        <a:solidFill>
-          <a:schemeClr val="bg2">
-            <a:lumMod val="50000"/>
-          </a:schemeClr>
-        </a:solidFill>
-        <a:effectLst/>
-      </p:bgPr>
-    </p:bg>
     <p:spTree>
       <p:nvGrpSpPr>
         <p:cNvPr id="1" name=""/>
@@ -6988,275 +7144,57 @@
           <a:chExt cx="0" cy="0"/>
         </a:xfrm>
       </p:grpSpPr>
-      <p:sp>
-        <p:nvSpPr>
-          <p:cNvPr id="5" name="Retângulo 4">
+      <p:pic>
+        <p:nvPicPr>
+          <p:cNvPr id="1026" name="Picture 2">
             <a:extLst>
               <a:ext uri="{FF2B5EF4-FFF2-40B4-BE49-F238E27FC236}">
-                <a16:creationId xmlns:a16="http://schemas.microsoft.com/office/drawing/2014/main" id="{2C9E6F74-F807-CF71-3635-13FAA73AA33D}"/>
+                <a16:creationId xmlns:a16="http://schemas.microsoft.com/office/drawing/2014/main" id="{E0BF6D8B-D388-1AEB-C685-203C75729EAE}"/>
               </a:ext>
             </a:extLst>
           </p:cNvPr>
-          <p:cNvSpPr/>
+          <p:cNvPicPr>
+            <a:picLocks noChangeAspect="1" noChangeArrowheads="1"/>
+          </p:cNvPicPr>
           <p:nvPr/>
-        </p:nvSpPr>
-        <p:spPr>
+        </p:nvPicPr>
+        <p:blipFill>
+          <a:blip r:embed="rId2">
+            <a:extLst>
+              <a:ext uri="{28A0092B-C50C-407E-A947-70E740481C1C}">
+                <a14:useLocalDpi xmlns:a14="http://schemas.microsoft.com/office/drawing/2010/main" val="0"/>
+              </a:ext>
+            </a:extLst>
+          </a:blip>
+          <a:srcRect/>
+          <a:stretch>
+            <a:fillRect/>
+          </a:stretch>
+        </p:blipFill>
+        <p:spPr bwMode="auto">
           <a:xfrm>
-            <a:off x="0" y="0"/>
-            <a:ext cx="2627452" cy="6858000"/>
+            <a:off x="1065650" y="1694038"/>
+            <a:ext cx="10060699" cy="4074583"/>
           </a:xfrm>
           <a:prstGeom prst="rect">
             <a:avLst/>
           </a:prstGeom>
+          <a:noFill/>
+          <a:extLst>
+            <a:ext uri="{909E8E84-426E-40DD-AFC4-6F175D3DCCD1}">
+              <a14:hiddenFill xmlns:a14="http://schemas.microsoft.com/office/drawing/2010/main">
+                <a:solidFill>
+                  <a:srgbClr val="FFFFFF"/>
+                </a:solidFill>
+              </a14:hiddenFill>
+            </a:ext>
+          </a:extLst>
         </p:spPr>
-        <p:style>
-          <a:lnRef idx="2">
-            <a:schemeClr val="accent1">
-              <a:shade val="50000"/>
-            </a:schemeClr>
-          </a:lnRef>
-          <a:fillRef idx="1">
-            <a:schemeClr val="accent1"/>
-          </a:fillRef>
-          <a:effectRef idx="0">
-            <a:schemeClr val="accent1"/>
-          </a:effectRef>
-          <a:fontRef idx="minor">
-            <a:schemeClr val="lt1"/>
-          </a:fontRef>
-        </p:style>
-        <p:txBody>
-          <a:bodyPr rtlCol="0" anchor="ctr"/>
-          <a:lstStyle/>
-          <a:p>
-            <a:pPr algn="ctr"/>
-            <a:endParaRPr lang="pt-BR"/>
-          </a:p>
-        </p:txBody>
-      </p:sp>
-      <p:sp>
-        <p:nvSpPr>
-          <p:cNvPr id="2" name="Título 1">
-            <a:extLst>
-              <a:ext uri="{FF2B5EF4-FFF2-40B4-BE49-F238E27FC236}">
-                <a16:creationId xmlns:a16="http://schemas.microsoft.com/office/drawing/2014/main" id="{D45716BC-6E44-D369-EFE5-AB11D3654FC3}"/>
-              </a:ext>
-            </a:extLst>
-          </p:cNvPr>
-          <p:cNvSpPr>
-            <a:spLocks noGrp="1"/>
-          </p:cNvSpPr>
-          <p:nvPr>
-            <p:ph type="title" idx="4294967295"/>
-          </p:nvPr>
-        </p:nvSpPr>
-        <p:spPr>
-          <a:xfrm>
-            <a:off x="92596" y="2886868"/>
-            <a:ext cx="2534856" cy="969963"/>
-          </a:xfrm>
-        </p:spPr>
-        <p:txBody>
-          <a:bodyPr/>
-          <a:lstStyle/>
-          <a:p>
-            <a:r>
-              <a:rPr lang="pt-BR" dirty="0"/>
-              <a:t>Posições</a:t>
-            </a:r>
-          </a:p>
-        </p:txBody>
-      </p:sp>
-      <p:sp>
-        <p:nvSpPr>
-          <p:cNvPr id="3" name="Espaço Reservado para Conteúdo 2">
-            <a:extLst>
-              <a:ext uri="{FF2B5EF4-FFF2-40B4-BE49-F238E27FC236}">
-                <a16:creationId xmlns:a16="http://schemas.microsoft.com/office/drawing/2014/main" id="{BFCB5CCD-8E1D-53F4-00E7-A05B90BF73C9}"/>
-              </a:ext>
-            </a:extLst>
-          </p:cNvPr>
-          <p:cNvSpPr>
-            <a:spLocks noGrp="1"/>
-          </p:cNvSpPr>
-          <p:nvPr>
-            <p:ph idx="4294967295"/>
-          </p:nvPr>
-        </p:nvSpPr>
-        <p:spPr>
-          <a:xfrm>
-            <a:off x="2627452" y="1"/>
-            <a:ext cx="9564547" cy="6743700"/>
-          </a:xfrm>
-        </p:spPr>
-        <p:txBody>
-          <a:bodyPr>
-            <a:normAutofit fontScale="92500" lnSpcReduction="10000"/>
-          </a:bodyPr>
-          <a:lstStyle/>
-          <a:p>
-            <a:r>
-              <a:rPr lang="pt-BR" b="1" dirty="0"/>
-              <a:t>Posição </a:t>
-            </a:r>
-            <a:r>
-              <a:rPr lang="pt-BR" b="1" dirty="0" err="1"/>
-              <a:t>static</a:t>
-            </a:r>
-            <a:endParaRPr lang="pt-BR" b="1" dirty="0"/>
-          </a:p>
-          <a:p>
-            <a:pPr marL="0" indent="0">
-              <a:buNone/>
-            </a:pPr>
-            <a:r>
-              <a:rPr lang="pt-BR" dirty="0"/>
-              <a:t>Descrição: É o posicionamento padrão dos elementos HTML. Quando um elemento é posicionado como </a:t>
-            </a:r>
-            <a:r>
-              <a:rPr lang="pt-BR" dirty="0" err="1"/>
-              <a:t>static</a:t>
-            </a:r>
-            <a:r>
-              <a:rPr lang="pt-BR" dirty="0"/>
-              <a:t>, ele segue o fluxo normal do documento.</a:t>
-            </a:r>
-          </a:p>
-          <a:p>
-            <a:pPr marL="0" indent="0">
-              <a:buNone/>
-            </a:pPr>
-            <a:endParaRPr lang="pt-BR" dirty="0"/>
-          </a:p>
-          <a:p>
-            <a:r>
-              <a:rPr lang="pt-BR" b="1" dirty="0"/>
-              <a:t>Posição </a:t>
-            </a:r>
-            <a:r>
-              <a:rPr lang="pt-BR" b="1" dirty="0" err="1"/>
-              <a:t>relative</a:t>
-            </a:r>
-            <a:endParaRPr lang="pt-BR" b="1" dirty="0"/>
-          </a:p>
-          <a:p>
-            <a:pPr marL="0" indent="0">
-              <a:buNone/>
-            </a:pPr>
-            <a:r>
-              <a:rPr lang="pt-BR" dirty="0"/>
-              <a:t>Descrição: Permite mover o elemento em relação à sua posição original no fluxo normal do documento.</a:t>
-            </a:r>
-          </a:p>
-          <a:p>
-            <a:pPr marL="0" indent="0">
-              <a:buNone/>
-            </a:pPr>
-            <a:endParaRPr lang="pt-BR" dirty="0"/>
-          </a:p>
-          <a:p>
-            <a:r>
-              <a:rPr lang="pt-BR" b="1" dirty="0"/>
-              <a:t>Posição </a:t>
-            </a:r>
-            <a:r>
-              <a:rPr lang="pt-BR" b="1" dirty="0" err="1"/>
-              <a:t>fixed</a:t>
-            </a:r>
-            <a:endParaRPr lang="pt-BR" b="1" dirty="0"/>
-          </a:p>
-          <a:p>
-            <a:pPr marL="0" indent="0">
-              <a:buNone/>
-            </a:pPr>
-            <a:r>
-              <a:rPr lang="pt-BR" dirty="0"/>
-              <a:t>Descrição: O elemento é removido do fluxo normal do documento e é posicionado em relação à janela do navegador.</a:t>
-            </a:r>
-          </a:p>
-          <a:p>
-            <a:pPr marL="0" indent="0">
-              <a:buNone/>
-            </a:pPr>
-            <a:endParaRPr lang="pt-BR" dirty="0"/>
-          </a:p>
-          <a:p>
-            <a:r>
-              <a:rPr lang="pt-BR" b="1" dirty="0"/>
-              <a:t>Posição </a:t>
-            </a:r>
-            <a:r>
-              <a:rPr lang="pt-BR" b="1" dirty="0" err="1"/>
-              <a:t>absolute</a:t>
-            </a:r>
-            <a:endParaRPr lang="pt-BR" b="1" dirty="0"/>
-          </a:p>
-          <a:p>
-            <a:pPr marL="0" indent="0">
-              <a:buNone/>
-            </a:pPr>
-            <a:r>
-              <a:rPr lang="pt-BR" dirty="0"/>
-              <a:t>Descrição: O elemento é removido do fluxo normal do documento e é posicionado em relação ao seu contêiner pai mais próximo que tenha uma posição diferente de </a:t>
-            </a:r>
-            <a:r>
-              <a:rPr lang="pt-BR" dirty="0" err="1"/>
-              <a:t>static</a:t>
-            </a:r>
-            <a:r>
-              <a:rPr lang="pt-BR" dirty="0"/>
-              <a:t>.</a:t>
-            </a:r>
-          </a:p>
-          <a:p>
-            <a:pPr marL="0" indent="0">
-              <a:buNone/>
-            </a:pPr>
-            <a:endParaRPr lang="pt-BR" dirty="0"/>
-          </a:p>
-          <a:p>
-            <a:r>
-              <a:rPr lang="pt-BR" b="1" dirty="0"/>
-              <a:t>Posição Flutuante (</a:t>
-            </a:r>
-            <a:r>
-              <a:rPr lang="pt-BR" b="1" dirty="0" err="1"/>
-              <a:t>float</a:t>
-            </a:r>
-            <a:r>
-              <a:rPr lang="pt-BR" b="1" dirty="0"/>
-              <a:t>)</a:t>
-            </a:r>
-          </a:p>
-          <a:p>
-            <a:pPr marL="0" indent="0">
-              <a:buNone/>
-            </a:pPr>
-            <a:r>
-              <a:rPr lang="pt-BR" dirty="0"/>
-              <a:t>Descrição: A propriedade </a:t>
-            </a:r>
-            <a:r>
-              <a:rPr lang="pt-BR" dirty="0" err="1"/>
-              <a:t>float</a:t>
-            </a:r>
-            <a:r>
-              <a:rPr lang="pt-BR" dirty="0"/>
-              <a:t> permite que um elemento seja retirado do fluxo normal do documento e "flutue" à esquerda ou à direita dentro de seu contêiner.</a:t>
-            </a:r>
-          </a:p>
-          <a:p>
-            <a:pPr marL="0" indent="0">
-              <a:buNone/>
-            </a:pPr>
-            <a:endParaRPr lang="pt-BR" dirty="0"/>
-          </a:p>
-        </p:txBody>
-      </p:sp>
+      </p:pic>
     </p:spTree>
     <p:extLst>
       <p:ext uri="{BB962C8B-B14F-4D97-AF65-F5344CB8AC3E}">
-        <p14:creationId xmlns:p14="http://schemas.microsoft.com/office/powerpoint/2010/main" val="165576871"/>
+        <p14:creationId xmlns:p14="http://schemas.microsoft.com/office/powerpoint/2010/main" val="3915295042"/>
       </p:ext>
     </p:extLst>
   </p:cSld>
@@ -7285,10 +7223,10 @@
       </p:grpSpPr>
       <p:pic>
         <p:nvPicPr>
-          <p:cNvPr id="5" name="Imagem 4">
+          <p:cNvPr id="2" name="Imagem 1">
             <a:extLst>
               <a:ext uri="{FF2B5EF4-FFF2-40B4-BE49-F238E27FC236}">
-                <a16:creationId xmlns:a16="http://schemas.microsoft.com/office/drawing/2014/main" id="{34548621-EE46-E596-747C-26C65223A4AD}"/>
+                <a16:creationId xmlns:a16="http://schemas.microsoft.com/office/drawing/2014/main" id="{ABDA3848-41BE-7803-CC9D-A3096C46A2DF}"/>
               </a:ext>
             </a:extLst>
           </p:cNvPr>
@@ -7305,8 +7243,8 @@
         </p:blipFill>
         <p:spPr>
           <a:xfrm>
-            <a:off x="-1" y="0"/>
-            <a:ext cx="12192001" cy="6858000"/>
+            <a:off x="1058090" y="1501422"/>
+            <a:ext cx="10075820" cy="4370387"/>
           </a:xfrm>
           <a:prstGeom prst="rect">
             <a:avLst/>
@@ -7316,7 +7254,7 @@
     </p:spTree>
     <p:extLst>
       <p:ext uri="{BB962C8B-B14F-4D97-AF65-F5344CB8AC3E}">
-        <p14:creationId xmlns:p14="http://schemas.microsoft.com/office/powerpoint/2010/main" val="4051870726"/>
+        <p14:creationId xmlns:p14="http://schemas.microsoft.com/office/powerpoint/2010/main" val="4018820021"/>
       </p:ext>
     </p:extLst>
   </p:cSld>
@@ -7343,63 +7281,40 @@
           <a:chExt cx="0" cy="0"/>
         </a:xfrm>
       </p:grpSpPr>
-      <p:sp>
-        <p:nvSpPr>
-          <p:cNvPr id="2" name="Título 1">
+      <p:pic>
+        <p:nvPicPr>
+          <p:cNvPr id="3" name="Imagem 2">
             <a:extLst>
               <a:ext uri="{FF2B5EF4-FFF2-40B4-BE49-F238E27FC236}">
-                <a16:creationId xmlns:a16="http://schemas.microsoft.com/office/drawing/2014/main" id="{BA789031-E368-BB18-9DE1-74BAE9559175}"/>
+                <a16:creationId xmlns:a16="http://schemas.microsoft.com/office/drawing/2014/main" id="{BF722A4C-7A0C-71E7-E6CA-E94950C7FDDA}"/>
               </a:ext>
             </a:extLst>
           </p:cNvPr>
-          <p:cNvSpPr>
-            <a:spLocks noGrp="1"/>
-          </p:cNvSpPr>
-          <p:nvPr>
-            <p:ph type="title"/>
-          </p:nvPr>
-        </p:nvSpPr>
-        <p:spPr/>
-        <p:txBody>
-          <a:bodyPr/>
-          <a:lstStyle/>
-          <a:p>
-            <a:r>
-              <a:rPr lang="pt-BR" dirty="0"/>
-              <a:t>Media Queries</a:t>
-            </a:r>
-          </a:p>
-        </p:txBody>
-      </p:sp>
-      <p:sp>
-        <p:nvSpPr>
-          <p:cNvPr id="3" name="Espaço Reservado para Texto 2">
-            <a:extLst>
-              <a:ext uri="{FF2B5EF4-FFF2-40B4-BE49-F238E27FC236}">
-                <a16:creationId xmlns:a16="http://schemas.microsoft.com/office/drawing/2014/main" id="{F85E8E22-B698-0388-4F1D-ADFB26A369C7}"/>
-              </a:ext>
-            </a:extLst>
-          </p:cNvPr>
-          <p:cNvSpPr>
-            <a:spLocks noGrp="1"/>
-          </p:cNvSpPr>
-          <p:nvPr>
-            <p:ph type="body" idx="1"/>
-          </p:nvPr>
-        </p:nvSpPr>
-        <p:spPr/>
-        <p:txBody>
-          <a:bodyPr/>
-          <a:lstStyle/>
-          <a:p>
-            <a:endParaRPr lang="pt-BR"/>
-          </a:p>
-        </p:txBody>
-      </p:sp>
+          <p:cNvPicPr>
+            <a:picLocks noChangeAspect="1"/>
+          </p:cNvPicPr>
+          <p:nvPr/>
+        </p:nvPicPr>
+        <p:blipFill>
+          <a:blip r:embed="rId2"/>
+          <a:stretch>
+            <a:fillRect/>
+          </a:stretch>
+        </p:blipFill>
+        <p:spPr>
+          <a:xfrm>
+            <a:off x="0" y="0"/>
+            <a:ext cx="12192000" cy="6858000"/>
+          </a:xfrm>
+          <a:prstGeom prst="rect">
+            <a:avLst/>
+          </a:prstGeom>
+        </p:spPr>
+      </p:pic>
     </p:spTree>
     <p:extLst>
       <p:ext uri="{BB962C8B-B14F-4D97-AF65-F5344CB8AC3E}">
-        <p14:creationId xmlns:p14="http://schemas.microsoft.com/office/powerpoint/2010/main" val="512784341"/>
+        <p14:creationId xmlns:p14="http://schemas.microsoft.com/office/powerpoint/2010/main" val="3380844997"/>
       </p:ext>
     </p:extLst>
   </p:cSld>
@@ -7410,8 +7325,16 @@
 </file>
 
 <file path=ppt/slides/slide9.xml><?xml version="1.0" encoding="utf-8"?>
-<p:sld xmlns:a="http://schemas.openxmlformats.org/drawingml/2006/main" xmlns:r="http://schemas.openxmlformats.org/officeDocument/2006/relationships" xmlns:p="http://schemas.openxmlformats.org/presentationml/2006/main">
+<p:sld xmlns:a="http://schemas.openxmlformats.org/drawingml/2006/main" xmlns:r="http://schemas.openxmlformats.org/officeDocument/2006/relationships" xmlns:p="http://schemas.openxmlformats.org/presentationml/2006/main" showMasterSp="0">
   <p:cSld>
+    <p:bg>
+      <p:bgPr>
+        <a:solidFill>
+          <a:srgbClr val="7030A0"/>
+        </a:solidFill>
+        <a:effectLst/>
+      </p:bgPr>
+    </p:bg>
     <p:spTree>
       <p:nvGrpSpPr>
         <p:cNvPr id="1" name=""/>
@@ -7431,7 +7354,7 @@
           <p:cNvPr id="2" name="Título 1">
             <a:extLst>
               <a:ext uri="{FF2B5EF4-FFF2-40B4-BE49-F238E27FC236}">
-                <a16:creationId xmlns:a16="http://schemas.microsoft.com/office/drawing/2014/main" id="{CD26663A-DD17-2F4E-4AE3-5332AE538046}"/>
+                <a16:creationId xmlns:a16="http://schemas.microsoft.com/office/drawing/2014/main" id="{ACA779A9-C05A-CC60-6285-151C498C7FE0}"/>
               </a:ext>
             </a:extLst>
           </p:cNvPr>
@@ -7449,50 +7372,15 @@
           <a:p>
             <a:r>
               <a:rPr lang="pt-BR" dirty="0"/>
-              <a:t>Media Queries</a:t>
-            </a:r>
-          </a:p>
-        </p:txBody>
-      </p:sp>
-      <p:sp>
-        <p:nvSpPr>
-          <p:cNvPr id="3" name="Espaço Reservado para Conteúdo 2">
-            <a:extLst>
-              <a:ext uri="{FF2B5EF4-FFF2-40B4-BE49-F238E27FC236}">
-                <a16:creationId xmlns:a16="http://schemas.microsoft.com/office/drawing/2014/main" id="{C2667798-AD20-EAEA-243F-7EEE21D0B9EF}"/>
-              </a:ext>
-            </a:extLst>
-          </p:cNvPr>
-          <p:cNvSpPr>
-            <a:spLocks noGrp="1"/>
-          </p:cNvSpPr>
-          <p:nvPr>
-            <p:ph idx="1"/>
-          </p:nvPr>
-        </p:nvSpPr>
-        <p:spPr>
-          <a:xfrm>
-            <a:off x="818712" y="2222288"/>
-            <a:ext cx="10554574" cy="2315846"/>
-          </a:xfrm>
-        </p:spPr>
-        <p:txBody>
-          <a:bodyPr>
-            <a:normAutofit/>
-          </a:bodyPr>
-          <a:lstStyle/>
-          <a:p>
-            <a:r>
-              <a:rPr lang="pt-BR" sz="2000" dirty="0"/>
-              <a:t>Media Queries no CSS são uma técnica que permite aplicar estilos diferentes a diferentes dispositivos ou tamanhos de tela. Com as Media Queries, você pode especificar condições, como largura ou altura da </a:t>
-            </a:r>
-            <a:r>
-              <a:rPr lang="pt-BR" sz="2000" dirty="0" err="1"/>
-              <a:t>viewport</a:t>
-            </a:r>
-            <a:r>
-              <a:rPr lang="pt-BR" sz="2000" dirty="0"/>
-              <a:t>, resolução, orientação (retrato ou paisagem), e outras características do dispositivo, e aplicar estilos CSS que se ajustem a essas condições.</a:t>
+              <a:t>Exercício </a:t>
+            </a:r>
+            <a:r>
+              <a:rPr lang="pt-BR" dirty="0" err="1"/>
+              <a:t>Flax</a:t>
+            </a:r>
+            <a:r>
+              <a:rPr lang="pt-BR" dirty="0"/>
+              <a:t> Box</a:t>
             </a:r>
           </a:p>
         </p:txBody>
@@ -7500,7 +7388,7 @@
     </p:spTree>
     <p:extLst>
       <p:ext uri="{BB962C8B-B14F-4D97-AF65-F5344CB8AC3E}">
-        <p14:creationId xmlns:p14="http://schemas.microsoft.com/office/powerpoint/2010/main" val="35249494"/>
+        <p14:creationId xmlns:p14="http://schemas.microsoft.com/office/powerpoint/2010/main" val="416929992"/>
       </p:ext>
     </p:extLst>
   </p:cSld>
